--- a/chapter12/图片/pic.pptx
+++ b/chapter12/图片/pic.pptx
@@ -197,7 +197,7 @@
           <a:p>
             <a:fld id="{C3AABED4-73F5-4AB2-9FB9-DDBD95CE6FD9}" type="datetimeFigureOut">
               <a:rPr lang="zh-CN" altLang="en-US" smtClean="0"/>
-              <a:t>2020/3/15</a:t>
+              <a:t>2020/6/17</a:t>
             </a:fld>
             <a:endParaRPr lang="zh-CN" altLang="en-US"/>
           </a:p>
@@ -898,7 +898,7 @@
           <a:p>
             <a:fld id="{530820CF-B880-4189-942D-D702A7CBA730}" type="datetimeFigureOut">
               <a:rPr lang="zh-CN" altLang="en-US" smtClean="0"/>
-              <a:t>2020/3/15</a:t>
+              <a:t>2020/6/17</a:t>
             </a:fld>
             <a:endParaRPr lang="zh-CN" altLang="en-US"/>
           </a:p>
@@ -1063,7 +1063,7 @@
           <a:p>
             <a:fld id="{530820CF-B880-4189-942D-D702A7CBA730}" type="datetimeFigureOut">
               <a:rPr lang="zh-CN" altLang="en-US" smtClean="0"/>
-              <a:t>2020/3/15</a:t>
+              <a:t>2020/6/17</a:t>
             </a:fld>
             <a:endParaRPr lang="zh-CN" altLang="en-US"/>
           </a:p>
@@ -1238,7 +1238,7 @@
           <a:p>
             <a:fld id="{530820CF-B880-4189-942D-D702A7CBA730}" type="datetimeFigureOut">
               <a:rPr lang="zh-CN" altLang="en-US" smtClean="0"/>
-              <a:t>2020/3/15</a:t>
+              <a:t>2020/6/17</a:t>
             </a:fld>
             <a:endParaRPr lang="zh-CN" altLang="en-US"/>
           </a:p>
@@ -1403,7 +1403,7 @@
           <a:p>
             <a:fld id="{530820CF-B880-4189-942D-D702A7CBA730}" type="datetimeFigureOut">
               <a:rPr lang="zh-CN" altLang="en-US" smtClean="0"/>
-              <a:t>2020/3/15</a:t>
+              <a:t>2020/6/17</a:t>
             </a:fld>
             <a:endParaRPr lang="zh-CN" altLang="en-US"/>
           </a:p>
@@ -1644,7 +1644,7 @@
           <a:p>
             <a:fld id="{530820CF-B880-4189-942D-D702A7CBA730}" type="datetimeFigureOut">
               <a:rPr lang="zh-CN" altLang="en-US" smtClean="0"/>
-              <a:t>2020/3/15</a:t>
+              <a:t>2020/6/17</a:t>
             </a:fld>
             <a:endParaRPr lang="zh-CN" altLang="en-US"/>
           </a:p>
@@ -1927,7 +1927,7 @@
           <a:p>
             <a:fld id="{530820CF-B880-4189-942D-D702A7CBA730}" type="datetimeFigureOut">
               <a:rPr lang="zh-CN" altLang="en-US" smtClean="0"/>
-              <a:t>2020/3/15</a:t>
+              <a:t>2020/6/17</a:t>
             </a:fld>
             <a:endParaRPr lang="zh-CN" altLang="en-US"/>
           </a:p>
@@ -2344,7 +2344,7 @@
           <a:p>
             <a:fld id="{530820CF-B880-4189-942D-D702A7CBA730}" type="datetimeFigureOut">
               <a:rPr lang="zh-CN" altLang="en-US" smtClean="0"/>
-              <a:t>2020/3/15</a:t>
+              <a:t>2020/6/17</a:t>
             </a:fld>
             <a:endParaRPr lang="zh-CN" altLang="en-US"/>
           </a:p>
@@ -2457,7 +2457,7 @@
           <a:p>
             <a:fld id="{530820CF-B880-4189-942D-D702A7CBA730}" type="datetimeFigureOut">
               <a:rPr lang="zh-CN" altLang="en-US" smtClean="0"/>
-              <a:t>2020/3/15</a:t>
+              <a:t>2020/6/17</a:t>
             </a:fld>
             <a:endParaRPr lang="zh-CN" altLang="en-US"/>
           </a:p>
@@ -2547,7 +2547,7 @@
           <a:p>
             <a:fld id="{530820CF-B880-4189-942D-D702A7CBA730}" type="datetimeFigureOut">
               <a:rPr lang="zh-CN" altLang="en-US" smtClean="0"/>
-              <a:t>2020/3/15</a:t>
+              <a:t>2020/6/17</a:t>
             </a:fld>
             <a:endParaRPr lang="zh-CN" altLang="en-US"/>
           </a:p>
@@ -2819,7 +2819,7 @@
           <a:p>
             <a:fld id="{530820CF-B880-4189-942D-D702A7CBA730}" type="datetimeFigureOut">
               <a:rPr lang="zh-CN" altLang="en-US" smtClean="0"/>
-              <a:t>2020/3/15</a:t>
+              <a:t>2020/6/17</a:t>
             </a:fld>
             <a:endParaRPr lang="zh-CN" altLang="en-US"/>
           </a:p>
@@ -3067,7 +3067,7 @@
           <a:p>
             <a:fld id="{530820CF-B880-4189-942D-D702A7CBA730}" type="datetimeFigureOut">
               <a:rPr lang="zh-CN" altLang="en-US" smtClean="0"/>
-              <a:t>2020/3/15</a:t>
+              <a:t>2020/6/17</a:t>
             </a:fld>
             <a:endParaRPr lang="zh-CN" altLang="en-US"/>
           </a:p>
@@ -3275,7 +3275,7 @@
           <a:p>
             <a:fld id="{530820CF-B880-4189-942D-D702A7CBA730}" type="datetimeFigureOut">
               <a:rPr lang="zh-CN" altLang="en-US" smtClean="0"/>
-              <a:t>2020/3/15</a:t>
+              <a:t>2020/6/17</a:t>
             </a:fld>
             <a:endParaRPr lang="zh-CN" altLang="en-US"/>
           </a:p>
@@ -3645,434 +3645,113 @@
           <a:chExt cx="0" cy="0"/>
         </a:xfrm>
       </p:grpSpPr>
-      <p:grpSp>
-        <p:nvGrpSpPr>
-          <p:cNvPr id="3" name="组合 2"/>
-          <p:cNvGrpSpPr/>
+      <p:pic>
+        <p:nvPicPr>
+          <p:cNvPr id="1026" name="Picture 2"/>
+          <p:cNvPicPr>
+            <a:picLocks noChangeAspect="1" noChangeArrowheads="1"/>
+          </p:cNvPicPr>
           <p:nvPr/>
-        </p:nvGrpSpPr>
-        <p:grpSpPr>
-          <a:xfrm>
-            <a:off x="0" y="1876623"/>
-            <a:ext cx="4639438" cy="3852296"/>
-            <a:chOff x="971599" y="404665"/>
-            <a:chExt cx="6736807" cy="5964088"/>
-          </a:xfrm>
-        </p:grpSpPr>
-        <p:pic>
-          <p:nvPicPr>
-            <p:cNvPr id="1026" name="Picture 2"/>
-            <p:cNvPicPr>
-              <a:picLocks noChangeAspect="1" noChangeArrowheads="1"/>
-            </p:cNvPicPr>
-            <p:nvPr/>
-          </p:nvPicPr>
-          <p:blipFill>
-            <a:blip r:embed="rId3" cstate="print">
-              <a:extLst>
-                <a:ext uri="{28A0092B-C50C-407E-A947-70E740481C1C}">
-                  <a14:useLocalDpi xmlns:a14="http://schemas.microsoft.com/office/drawing/2010/main" val="0"/>
-                </a:ext>
-              </a:extLst>
-            </a:blip>
-            <a:srcRect/>
-            <a:stretch>
-              <a:fillRect/>
-            </a:stretch>
-          </p:blipFill>
-          <p:spPr bwMode="auto">
-            <a:xfrm rot="16200000">
-              <a:off x="971600" y="404664"/>
-              <a:ext cx="5964088" cy="5964090"/>
-            </a:xfrm>
-            <a:prstGeom prst="rect">
-              <a:avLst/>
-            </a:prstGeom>
-            <a:noFill/>
-            <a:ln>
-              <a:noFill/>
-            </a:ln>
-            <a:effectLst/>
+        </p:nvPicPr>
+        <p:blipFill>
+          <a:blip r:embed="rId3" cstate="print">
             <a:extLst>
-              <a:ext uri="{909E8E84-426E-40DD-AFC4-6F175D3DCCD1}">
-                <a14:hiddenFill xmlns:a14="http://schemas.microsoft.com/office/drawing/2010/main">
-                  <a:solidFill>
-                    <a:schemeClr val="accent1"/>
-                  </a:solidFill>
-                </a14:hiddenFill>
-              </a:ext>
-              <a:ext uri="{91240B29-F687-4F45-9708-019B960494DF}">
-                <a14:hiddenLine xmlns:a14="http://schemas.microsoft.com/office/drawing/2010/main" w="9525">
-                  <a:solidFill>
-                    <a:schemeClr val="tx1"/>
-                  </a:solidFill>
-                  <a:miter lim="800000"/>
-                  <a:headEnd/>
-                  <a:tailEnd/>
-                </a14:hiddenLine>
-              </a:ext>
-              <a:ext uri="{AF507438-7753-43E0-B8FC-AC1667EBCBE1}">
-                <a14:hiddenEffects xmlns:a14="http://schemas.microsoft.com/office/drawing/2010/main">
-                  <a:effectLst>
-                    <a:outerShdw dist="35921" dir="2700000" algn="ctr" rotWithShape="0">
-                      <a:schemeClr val="bg2"/>
-                    </a:outerShdw>
-                  </a:effectLst>
-                </a14:hiddenEffects>
+              <a:ext uri="{28A0092B-C50C-407E-A947-70E740481C1C}">
+                <a14:useLocalDpi xmlns:a14="http://schemas.microsoft.com/office/drawing/2010/main" val="0"/>
               </a:ext>
             </a:extLst>
-          </p:spPr>
-        </p:pic>
-        <p:grpSp>
-          <p:nvGrpSpPr>
-            <p:cNvPr id="2" name="组合 1"/>
-            <p:cNvGrpSpPr/>
-            <p:nvPr/>
-          </p:nvGrpSpPr>
-          <p:grpSpPr>
-            <a:xfrm>
-              <a:off x="1182488" y="1195008"/>
-              <a:ext cx="6525918" cy="4212452"/>
-              <a:chOff x="1182488" y="1195008"/>
-              <a:chExt cx="6525918" cy="4212452"/>
-            </a:xfrm>
-          </p:grpSpPr>
-          <p:sp>
-            <p:nvSpPr>
-              <p:cNvPr id="5" name="椭圆 4"/>
-              <p:cNvSpPr/>
-              <p:nvPr/>
-            </p:nvSpPr>
-            <p:spPr>
-              <a:xfrm>
-                <a:off x="1533311" y="2466139"/>
-                <a:ext cx="914454" cy="914454"/>
-              </a:xfrm>
-              <a:prstGeom prst="ellipse">
-                <a:avLst/>
-              </a:prstGeom>
-              <a:noFill/>
-              <a:ln w="38100">
+          </a:blip>
+          <a:srcRect/>
+          <a:stretch>
+            <a:fillRect/>
+          </a:stretch>
+        </p:blipFill>
+        <p:spPr bwMode="auto">
+          <a:xfrm rot="16200000">
+            <a:off x="127497" y="1749126"/>
+            <a:ext cx="3852296" cy="4107291"/>
+          </a:xfrm>
+          <a:prstGeom prst="rect">
+            <a:avLst/>
+          </a:prstGeom>
+          <a:noFill/>
+          <a:ln>
+            <a:noFill/>
+          </a:ln>
+          <a:effectLst/>
+          <a:extLst>
+            <a:ext uri="{909E8E84-426E-40DD-AFC4-6F175D3DCCD1}">
+              <a14:hiddenFill xmlns:a14="http://schemas.microsoft.com/office/drawing/2010/main">
+                <a:solidFill>
+                  <a:schemeClr val="accent1"/>
+                </a:solidFill>
+              </a14:hiddenFill>
+            </a:ext>
+            <a:ext uri="{91240B29-F687-4F45-9708-019B960494DF}">
+              <a14:hiddenLine xmlns:a14="http://schemas.microsoft.com/office/drawing/2010/main" w="9525">
                 <a:solidFill>
                   <a:schemeClr val="tx1"/>
                 </a:solidFill>
-              </a:ln>
-            </p:spPr>
-            <p:style>
-              <a:lnRef idx="2">
-                <a:schemeClr val="accent1">
-                  <a:shade val="50000"/>
-                </a:schemeClr>
-              </a:lnRef>
-              <a:fillRef idx="1">
-                <a:schemeClr val="accent1"/>
-              </a:fillRef>
-              <a:effectRef idx="0">
-                <a:schemeClr val="accent1"/>
-              </a:effectRef>
-              <a:fontRef idx="minor">
-                <a:schemeClr val="lt1"/>
-              </a:fontRef>
-            </p:style>
-            <p:txBody>
-              <a:bodyPr rtlCol="0" anchor="ctr"/>
-              <a:lstStyle/>
-              <a:p>
-                <a:pPr algn="ctr"/>
-                <a:endParaRPr lang="zh-CN" altLang="en-US"/>
-              </a:p>
-            </p:txBody>
-          </p:sp>
-          <p:sp>
-            <p:nvSpPr>
-              <p:cNvPr id="7" name="椭圆 6"/>
-              <p:cNvSpPr/>
-              <p:nvPr/>
-            </p:nvSpPr>
-            <p:spPr>
-              <a:xfrm>
-                <a:off x="5508104" y="2060848"/>
-                <a:ext cx="1152128" cy="1152128"/>
-              </a:xfrm>
-              <a:prstGeom prst="ellipse">
-                <a:avLst/>
-              </a:prstGeom>
-              <a:noFill/>
-              <a:ln w="38100">
-                <a:solidFill>
-                  <a:schemeClr val="tx1"/>
-                </a:solidFill>
-              </a:ln>
-            </p:spPr>
-            <p:style>
-              <a:lnRef idx="2">
-                <a:schemeClr val="accent1">
-                  <a:shade val="50000"/>
-                </a:schemeClr>
-              </a:lnRef>
-              <a:fillRef idx="1">
-                <a:schemeClr val="accent1"/>
-              </a:fillRef>
-              <a:effectRef idx="0">
-                <a:schemeClr val="accent1"/>
-              </a:effectRef>
-              <a:fontRef idx="minor">
-                <a:schemeClr val="lt1"/>
-              </a:fontRef>
-            </p:style>
-            <p:txBody>
-              <a:bodyPr rtlCol="0" anchor="ctr"/>
-              <a:lstStyle/>
-              <a:p>
-                <a:pPr algn="ctr"/>
-                <a:endParaRPr lang="zh-CN" altLang="en-US"/>
-              </a:p>
-            </p:txBody>
-          </p:sp>
-          <p:sp>
-            <p:nvSpPr>
-              <p:cNvPr id="8" name="椭圆 7"/>
-              <p:cNvSpPr/>
-              <p:nvPr/>
-            </p:nvSpPr>
-            <p:spPr>
-              <a:xfrm rot="20906487">
-                <a:off x="2861551" y="3354051"/>
-                <a:ext cx="2447756" cy="393395"/>
-              </a:xfrm>
-              <a:prstGeom prst="ellipse">
-                <a:avLst/>
-              </a:prstGeom>
-              <a:noFill/>
-              <a:ln w="38100">
-                <a:solidFill>
-                  <a:schemeClr val="tx1"/>
-                </a:solidFill>
-              </a:ln>
-            </p:spPr>
-            <p:style>
-              <a:lnRef idx="2">
-                <a:schemeClr val="accent1">
-                  <a:shade val="50000"/>
-                </a:schemeClr>
-              </a:lnRef>
-              <a:fillRef idx="1">
-                <a:schemeClr val="accent1"/>
-              </a:fillRef>
-              <a:effectRef idx="0">
-                <a:schemeClr val="accent1"/>
-              </a:effectRef>
-              <a:fontRef idx="minor">
-                <a:schemeClr val="lt1"/>
-              </a:fontRef>
-            </p:style>
-            <p:txBody>
-              <a:bodyPr rtlCol="0" anchor="ctr"/>
-              <a:lstStyle/>
-              <a:p>
-                <a:pPr algn="ctr"/>
-                <a:endParaRPr lang="zh-CN" altLang="en-US"/>
-              </a:p>
-            </p:txBody>
-          </p:sp>
-          <p:sp>
-            <p:nvSpPr>
-              <p:cNvPr id="6" name="椭圆 5"/>
-              <p:cNvSpPr/>
-              <p:nvPr/>
-            </p:nvSpPr>
-            <p:spPr>
-              <a:xfrm>
-                <a:off x="2339752" y="3550748"/>
-                <a:ext cx="216024" cy="238292"/>
-              </a:xfrm>
-              <a:prstGeom prst="ellipse">
-                <a:avLst/>
-              </a:prstGeom>
-              <a:ln>
-                <a:noFill/>
-              </a:ln>
-            </p:spPr>
-            <p:style>
-              <a:lnRef idx="2">
-                <a:schemeClr val="dk1">
-                  <a:shade val="50000"/>
-                </a:schemeClr>
-              </a:lnRef>
-              <a:fillRef idx="1">
-                <a:schemeClr val="dk1"/>
-              </a:fillRef>
-              <a:effectRef idx="0">
-                <a:schemeClr val="dk1"/>
-              </a:effectRef>
-              <a:fontRef idx="minor">
-                <a:schemeClr val="lt1"/>
-              </a:fontRef>
-            </p:style>
-            <p:txBody>
-              <a:bodyPr rtlCol="0" anchor="ctr"/>
-              <a:lstStyle/>
-              <a:p>
-                <a:pPr algn="ctr"/>
-                <a:endParaRPr lang="zh-CN" altLang="en-US"/>
-              </a:p>
-            </p:txBody>
-          </p:sp>
-          <p:cxnSp>
-            <p:nvCxnSpPr>
-              <p:cNvPr id="10" name="直接箭头连接符 9"/>
-              <p:cNvCxnSpPr/>
-              <p:nvPr/>
-            </p:nvCxnSpPr>
-            <p:spPr>
-              <a:xfrm flipH="1" flipV="1">
-                <a:off x="2447764" y="3789040"/>
-                <a:ext cx="1044116" cy="1296144"/>
-              </a:xfrm>
-              <a:prstGeom prst="straightConnector1">
-                <a:avLst/>
-              </a:prstGeom>
-              <a:ln w="38100">
-                <a:tailEnd type="arrow"/>
-              </a:ln>
-            </p:spPr>
-            <p:style>
-              <a:lnRef idx="1">
-                <a:schemeClr val="accent1"/>
-              </a:lnRef>
-              <a:fillRef idx="0">
-                <a:schemeClr val="accent1"/>
-              </a:fillRef>
-              <a:effectRef idx="0">
-                <a:schemeClr val="accent1"/>
-              </a:effectRef>
-              <a:fontRef idx="minor">
-                <a:schemeClr val="tx1"/>
-              </a:fontRef>
-            </p:style>
-          </p:cxnSp>
-          <p:sp>
-            <p:nvSpPr>
-              <p:cNvPr id="12" name="TextBox 11"/>
-              <p:cNvSpPr txBox="1"/>
-              <p:nvPr/>
-            </p:nvSpPr>
-            <p:spPr>
-              <a:xfrm>
-                <a:off x="3491879" y="4945796"/>
-                <a:ext cx="2079593" cy="461664"/>
-              </a:xfrm>
-              <a:prstGeom prst="rect">
-                <a:avLst/>
-              </a:prstGeom>
-              <a:noFill/>
-            </p:spPr>
-            <p:txBody>
-              <a:bodyPr wrap="square" rtlCol="0">
-                <a:spAutoFit/>
-              </a:bodyPr>
-              <a:lstStyle/>
-              <a:p>
-                <a:r>
-                  <a:rPr lang="zh-CN" altLang="en-US" sz="2400" b="1" dirty="0" smtClean="0"/>
-                  <a:t>细胞核</a:t>
-                </a:r>
-                <a:endParaRPr lang="zh-CN" altLang="en-US" sz="2400" b="1" dirty="0"/>
-              </a:p>
-            </p:txBody>
-          </p:sp>
-          <p:sp>
-            <p:nvSpPr>
-              <p:cNvPr id="14" name="TextBox 13"/>
-              <p:cNvSpPr txBox="1"/>
-              <p:nvPr/>
-            </p:nvSpPr>
-            <p:spPr>
-              <a:xfrm>
-                <a:off x="1182488" y="1468535"/>
-                <a:ext cx="2079593" cy="461664"/>
-              </a:xfrm>
-              <a:prstGeom prst="rect">
-                <a:avLst/>
-              </a:prstGeom>
-              <a:noFill/>
-            </p:spPr>
-            <p:txBody>
-              <a:bodyPr wrap="square" rtlCol="0">
-                <a:spAutoFit/>
-              </a:bodyPr>
-              <a:lstStyle/>
-              <a:p>
-                <a:r>
-                  <a:rPr lang="zh-CN" altLang="en-US" sz="2400" b="1" dirty="0" smtClean="0"/>
-                  <a:t>树突</a:t>
-                </a:r>
-                <a:endParaRPr lang="zh-CN" altLang="en-US" sz="2400" b="1" dirty="0"/>
-              </a:p>
-            </p:txBody>
-          </p:sp>
-          <p:sp>
-            <p:nvSpPr>
-              <p:cNvPr id="15" name="TextBox 14"/>
-              <p:cNvSpPr txBox="1"/>
-              <p:nvPr/>
-            </p:nvSpPr>
-            <p:spPr>
-              <a:xfrm>
-                <a:off x="3744307" y="4018137"/>
-                <a:ext cx="2079594" cy="461665"/>
-              </a:xfrm>
-              <a:prstGeom prst="rect">
-                <a:avLst/>
-              </a:prstGeom>
-              <a:noFill/>
-            </p:spPr>
-            <p:txBody>
-              <a:bodyPr wrap="square" rtlCol="0">
-                <a:spAutoFit/>
-              </a:bodyPr>
-              <a:lstStyle/>
-              <a:p>
-                <a:r>
-                  <a:rPr lang="zh-CN" altLang="en-US" sz="2400" b="1" dirty="0" smtClean="0"/>
-                  <a:t>轴突</a:t>
-                </a:r>
-                <a:endParaRPr lang="zh-CN" altLang="en-US" sz="2400" b="1" dirty="0"/>
-              </a:p>
-            </p:txBody>
-          </p:sp>
-          <p:sp>
-            <p:nvSpPr>
-              <p:cNvPr id="16" name="TextBox 15"/>
-              <p:cNvSpPr txBox="1"/>
-              <p:nvPr/>
-            </p:nvSpPr>
-            <p:spPr>
-              <a:xfrm>
-                <a:off x="5044369" y="1195008"/>
-                <a:ext cx="2664037" cy="714745"/>
-              </a:xfrm>
-              <a:prstGeom prst="rect">
-                <a:avLst/>
-              </a:prstGeom>
-              <a:noFill/>
-            </p:spPr>
-            <p:txBody>
-              <a:bodyPr wrap="square" rtlCol="0">
-                <a:spAutoFit/>
-              </a:bodyPr>
-              <a:lstStyle/>
-              <a:p>
-                <a:r>
-                  <a:rPr lang="zh-CN" altLang="en-US" sz="2400" b="1" dirty="0" smtClean="0"/>
-                  <a:t>轴突终端</a:t>
-                </a:r>
-                <a:endParaRPr lang="zh-CN" altLang="en-US" sz="2400" b="1" dirty="0"/>
-              </a:p>
-            </p:txBody>
-          </p:sp>
-        </p:grpSp>
-      </p:grpSp>
+                <a:miter lim="800000"/>
+                <a:headEnd/>
+                <a:tailEnd/>
+              </a14:hiddenLine>
+            </a:ext>
+            <a:ext uri="{AF507438-7753-43E0-B8FC-AC1667EBCBE1}">
+              <a14:hiddenEffects xmlns:a14="http://schemas.microsoft.com/office/drawing/2010/main">
+                <a:effectLst>
+                  <a:outerShdw dist="35921" dir="2700000" algn="ctr" rotWithShape="0">
+                    <a:schemeClr val="bg2"/>
+                  </a:outerShdw>
+                </a:effectLst>
+              </a14:hiddenEffects>
+            </a:ext>
+          </a:extLst>
+        </p:spPr>
+      </p:pic>
+      <p:sp>
+        <p:nvSpPr>
+          <p:cNvPr id="6" name="椭圆 5"/>
+          <p:cNvSpPr/>
+          <p:nvPr/>
+        </p:nvSpPr>
+        <p:spPr>
+          <a:xfrm>
+            <a:off x="942203" y="3908719"/>
+            <a:ext cx="148769" cy="153916"/>
+          </a:xfrm>
+          <a:prstGeom prst="ellipse">
+            <a:avLst/>
+          </a:prstGeom>
+          <a:ln>
+            <a:noFill/>
+          </a:ln>
+        </p:spPr>
+        <p:style>
+          <a:lnRef idx="2">
+            <a:schemeClr val="dk1">
+              <a:shade val="50000"/>
+            </a:schemeClr>
+          </a:lnRef>
+          <a:fillRef idx="1">
+            <a:schemeClr val="dk1"/>
+          </a:fillRef>
+          <a:effectRef idx="0">
+            <a:schemeClr val="dk1"/>
+          </a:effectRef>
+          <a:fontRef idx="minor">
+            <a:schemeClr val="lt1"/>
+          </a:fontRef>
+        </p:style>
+        <p:txBody>
+          <a:bodyPr rtlCol="0" anchor="ctr"/>
+          <a:lstStyle/>
+          <a:p>
+            <a:pPr algn="ctr"/>
+            <a:endParaRPr lang="zh-CN" altLang="en-US"/>
+          </a:p>
+        </p:txBody>
+      </p:sp>
       <p:grpSp>
         <p:nvGrpSpPr>
           <p:cNvPr id="26" name="组合 25"/>
@@ -4169,7 +3848,7 @@
               <a:graphicData uri="http://schemas.openxmlformats.org/presentationml/2006/ole">
                 <mc:AlternateContent xmlns:mc="http://schemas.openxmlformats.org/markup-compatibility/2006">
                   <mc:Choice xmlns:v="urn:schemas-microsoft-com:vml" Requires="v">
-                    <p:oleObj spid="_x0000_s1157" name="Equation" r:id="rId4" imgW="164880" imgH="203040" progId="Equation.DSMT4">
+                    <p:oleObj spid="_x0000_s1181" name="Equation" r:id="rId4" imgW="164880" imgH="203040" progId="Equation.DSMT4">
                       <p:embed/>
                     </p:oleObj>
                   </mc:Choice>
@@ -4287,7 +3966,7 @@
               <a:graphicData uri="http://schemas.openxmlformats.org/presentationml/2006/ole">
                 <mc:AlternateContent xmlns:mc="http://schemas.openxmlformats.org/markup-compatibility/2006">
                   <mc:Choice xmlns:v="urn:schemas-microsoft-com:vml" Requires="v">
-                    <p:oleObj spid="_x0000_s1158" name="Equation" r:id="rId6" imgW="177480" imgH="203040" progId="Equation.DSMT4">
+                    <p:oleObj spid="_x0000_s1182" name="Equation" r:id="rId6" imgW="177480" imgH="203040" progId="Equation.DSMT4">
                       <p:embed/>
                     </p:oleObj>
                   </mc:Choice>
@@ -4405,7 +4084,7 @@
               <a:graphicData uri="http://schemas.openxmlformats.org/presentationml/2006/ole">
                 <mc:AlternateContent xmlns:mc="http://schemas.openxmlformats.org/markup-compatibility/2006">
                   <mc:Choice xmlns:v="urn:schemas-microsoft-com:vml" Requires="v">
-                    <p:oleObj spid="_x0000_s1159" name="Equation" r:id="rId8" imgW="164880" imgH="203040" progId="Equation.DSMT4">
+                    <p:oleObj spid="_x0000_s1183" name="Equation" r:id="rId8" imgW="164880" imgH="203040" progId="Equation.DSMT4">
                       <p:embed/>
                     </p:oleObj>
                   </mc:Choice>
@@ -4523,7 +4202,7 @@
               <a:graphicData uri="http://schemas.openxmlformats.org/presentationml/2006/ole">
                 <mc:AlternateContent xmlns:mc="http://schemas.openxmlformats.org/markup-compatibility/2006">
                   <mc:Choice xmlns:v="urn:schemas-microsoft-com:vml" Requires="v">
-                    <p:oleObj spid="_x0000_s1160" name="Equation" r:id="rId10" imgW="177480" imgH="203040" progId="Equation.DSMT4">
+                    <p:oleObj spid="_x0000_s1184" name="Equation" r:id="rId10" imgW="177480" imgH="203040" progId="Equation.DSMT4">
                       <p:embed/>
                     </p:oleObj>
                   </mc:Choice>
@@ -4581,7 +4260,7 @@
             <a:graphicData uri="http://schemas.openxmlformats.org/presentationml/2006/ole">
               <mc:AlternateContent xmlns:mc="http://schemas.openxmlformats.org/markup-compatibility/2006">
                 <mc:Choice xmlns:v="urn:schemas-microsoft-com:vml" Requires="v">
-                  <p:oleObj spid="_x0000_s1161" name="Equation" r:id="rId12" imgW="75960" imgH="177480" progId="Equation.DSMT4">
+                  <p:oleObj spid="_x0000_s1185" name="Equation" r:id="rId12" imgW="75960" imgH="177480" progId="Equation.DSMT4">
                     <p:embed/>
                   </p:oleObj>
                 </mc:Choice>
@@ -4731,7 +4410,7 @@
           <a:graphicData uri="http://schemas.openxmlformats.org/presentationml/2006/ole">
             <mc:AlternateContent xmlns:mc="http://schemas.openxmlformats.org/markup-compatibility/2006">
               <mc:Choice xmlns:v="urn:schemas-microsoft-com:vml" Requires="v">
-                <p:oleObj spid="_x0000_s1162" name="Equation" r:id="rId14" imgW="291960" imgH="253800" progId="Equation.DSMT4">
+                <p:oleObj spid="_x0000_s1186" name="Equation" r:id="rId14" imgW="291960" imgH="253800" progId="Equation.DSMT4">
                   <p:embed/>
                 </p:oleObj>
               </mc:Choice>
@@ -4788,7 +4467,7 @@
           <a:graphicData uri="http://schemas.openxmlformats.org/presentationml/2006/ole">
             <mc:AlternateContent xmlns:mc="http://schemas.openxmlformats.org/markup-compatibility/2006">
               <mc:Choice xmlns:v="urn:schemas-microsoft-com:vml" Requires="v">
-                <p:oleObj spid="_x0000_s1163" name="Equation" r:id="rId16" imgW="152280" imgH="203040" progId="Equation.DSMT4">
+                <p:oleObj spid="_x0000_s1187" name="Equation" r:id="rId16" imgW="152280" imgH="203040" progId="Equation.DSMT4">
                   <p:embed/>
                 </p:oleObj>
               </mc:Choice>
@@ -5031,7 +4710,7 @@
           <a:graphicData uri="http://schemas.openxmlformats.org/presentationml/2006/ole">
             <mc:AlternateContent xmlns:mc="http://schemas.openxmlformats.org/markup-compatibility/2006">
               <mc:Choice xmlns:v="urn:schemas-microsoft-com:vml" Requires="v">
-                <p:oleObj spid="_x0000_s1164" name="Equation" r:id="rId18" imgW="177480" imgH="228600" progId="Equation.DSMT4">
+                <p:oleObj spid="_x0000_s1188" name="Equation" r:id="rId18" imgW="177480" imgH="228600" progId="Equation.DSMT4">
                   <p:embed/>
                 </p:oleObj>
               </mc:Choice>
@@ -5095,7 +4774,7 @@
           <a:graphicData uri="http://schemas.openxmlformats.org/presentationml/2006/ole">
             <mc:AlternateContent xmlns:mc="http://schemas.openxmlformats.org/markup-compatibility/2006">
               <mc:Choice xmlns:v="urn:schemas-microsoft-com:vml" Requires="v">
-                <p:oleObj spid="_x0000_s1165" name="Equation" r:id="rId20" imgW="190440" imgH="228600" progId="Equation.DSMT4">
+                <p:oleObj spid="_x0000_s1189" name="Equation" r:id="rId20" imgW="190440" imgH="228600" progId="Equation.DSMT4">
                   <p:embed/>
                 </p:oleObj>
               </mc:Choice>
@@ -5178,7 +4857,7 @@
           <a:graphicData uri="http://schemas.openxmlformats.org/presentationml/2006/ole">
             <mc:AlternateContent xmlns:mc="http://schemas.openxmlformats.org/markup-compatibility/2006">
               <mc:Choice xmlns:v="urn:schemas-microsoft-com:vml" Requires="v">
-                <p:oleObj spid="_x0000_s1166" name="Equation" r:id="rId22" imgW="190440" imgH="228600" progId="Equation.DSMT4">
+                <p:oleObj spid="_x0000_s1190" name="Equation" r:id="rId22" imgW="190440" imgH="228600" progId="Equation.DSMT4">
                   <p:embed/>
                 </p:oleObj>
               </mc:Choice>
@@ -5261,7 +4940,7 @@
           <a:graphicData uri="http://schemas.openxmlformats.org/presentationml/2006/ole">
             <mc:AlternateContent xmlns:mc="http://schemas.openxmlformats.org/markup-compatibility/2006">
               <mc:Choice xmlns:v="urn:schemas-microsoft-com:vml" Requires="v">
-                <p:oleObj spid="_x0000_s1167" name="Equation" r:id="rId24" imgW="190440" imgH="228600" progId="Equation.DSMT4">
+                <p:oleObj spid="_x0000_s1191" name="Equation" r:id="rId24" imgW="190440" imgH="228600" progId="Equation.DSMT4">
                   <p:embed/>
                 </p:oleObj>
               </mc:Choice>
@@ -5412,7 +5091,7 @@
           <a:graphicData uri="http://schemas.openxmlformats.org/presentationml/2006/ole">
             <mc:AlternateContent xmlns:mc="http://schemas.openxmlformats.org/markup-compatibility/2006">
               <mc:Choice xmlns:v="urn:schemas-microsoft-com:vml" Requires="v">
-                <p:oleObj spid="_x0000_s1168" name="Equation" r:id="rId26" imgW="139680" imgH="164880" progId="Equation.DSMT4">
+                <p:oleObj spid="_x0000_s1192" name="Equation" r:id="rId26" imgW="139680" imgH="164880" progId="Equation.DSMT4">
                   <p:embed/>
                 </p:oleObj>
               </mc:Choice>
@@ -5500,82 +5179,6 @@
               <a:t>输出</a:t>
             </a:r>
             <a:endParaRPr lang="zh-CN" altLang="en-US" sz="2400" b="1" dirty="0"/>
-          </a:p>
-        </p:txBody>
-      </p:sp>
-      <p:sp>
-        <p:nvSpPr>
-          <p:cNvPr id="48" name="TextBox 47"/>
-          <p:cNvSpPr txBox="1"/>
-          <p:nvPr/>
-        </p:nvSpPr>
-        <p:spPr>
-          <a:xfrm>
-            <a:off x="1735642" y="5589240"/>
-            <a:ext cx="1388514" cy="369332"/>
-          </a:xfrm>
-          <a:prstGeom prst="rect">
-            <a:avLst/>
-          </a:prstGeom>
-          <a:noFill/>
-        </p:spPr>
-        <p:txBody>
-          <a:bodyPr wrap="square" rtlCol="0">
-            <a:spAutoFit/>
-          </a:bodyPr>
-          <a:lstStyle/>
-          <a:p>
-            <a:r>
-              <a:rPr lang="zh-CN" altLang="en-US" dirty="0" smtClean="0"/>
-              <a:t>（</a:t>
-            </a:r>
-            <a:r>
-              <a:rPr lang="en-US" altLang="zh-CN" dirty="0" smtClean="0"/>
-              <a:t>A</a:t>
-            </a:r>
-            <a:r>
-              <a:rPr lang="zh-CN" altLang="en-US" dirty="0" smtClean="0"/>
-              <a:t>）</a:t>
-            </a:r>
-            <a:endParaRPr lang="zh-CN" altLang="en-US" dirty="0"/>
-          </a:p>
-        </p:txBody>
-      </p:sp>
-      <p:sp>
-        <p:nvSpPr>
-          <p:cNvPr id="51" name="TextBox 50"/>
-          <p:cNvSpPr txBox="1"/>
-          <p:nvPr/>
-        </p:nvSpPr>
-        <p:spPr>
-          <a:xfrm>
-            <a:off x="6794067" y="5544254"/>
-            <a:ext cx="1388514" cy="369332"/>
-          </a:xfrm>
-          <a:prstGeom prst="rect">
-            <a:avLst/>
-          </a:prstGeom>
-          <a:noFill/>
-        </p:spPr>
-        <p:txBody>
-          <a:bodyPr wrap="square" rtlCol="0">
-            <a:spAutoFit/>
-          </a:bodyPr>
-          <a:lstStyle/>
-          <a:p>
-            <a:r>
-              <a:rPr lang="zh-CN" altLang="en-US" dirty="0" smtClean="0"/>
-              <a:t>（</a:t>
-            </a:r>
-            <a:r>
-              <a:rPr lang="en-US" altLang="zh-CN" dirty="0"/>
-              <a:t>B</a:t>
-            </a:r>
-            <a:r>
-              <a:rPr lang="zh-CN" altLang="en-US" dirty="0" smtClean="0"/>
-              <a:t>）</a:t>
-            </a:r>
-            <a:endParaRPr lang="zh-CN" altLang="en-US" dirty="0"/>
           </a:p>
         </p:txBody>
       </p:sp>
@@ -5719,7 +5322,7 @@
                 <a:graphicData uri="http://schemas.openxmlformats.org/presentationml/2006/ole">
                   <mc:AlternateContent xmlns:mc="http://schemas.openxmlformats.org/markup-compatibility/2006">
                     <mc:Choice xmlns:v="urn:schemas-microsoft-com:vml" Requires="v">
-                      <p:oleObj spid="_x0000_s2265" name="Equation" r:id="rId3" imgW="203040" imgH="203040" progId="Equation.DSMT4">
+                      <p:oleObj spid="_x0000_s2327" name="Equation" r:id="rId3" imgW="203040" imgH="203040" progId="Equation.DSMT4">
                         <p:embed/>
                       </p:oleObj>
                     </mc:Choice>
@@ -5837,7 +5440,7 @@
                 <a:graphicData uri="http://schemas.openxmlformats.org/presentationml/2006/ole">
                   <mc:AlternateContent xmlns:mc="http://schemas.openxmlformats.org/markup-compatibility/2006">
                     <mc:Choice xmlns:v="urn:schemas-microsoft-com:vml" Requires="v">
-                      <p:oleObj spid="_x0000_s2266" name="Equation" r:id="rId5" imgW="215640" imgH="203040" progId="Equation.DSMT4">
+                      <p:oleObj spid="_x0000_s2328" name="Equation" r:id="rId5" imgW="215640" imgH="203040" progId="Equation.DSMT4">
                         <p:embed/>
                       </p:oleObj>
                     </mc:Choice>
@@ -5955,7 +5558,7 @@
                 <a:graphicData uri="http://schemas.openxmlformats.org/presentationml/2006/ole">
                   <mc:AlternateContent xmlns:mc="http://schemas.openxmlformats.org/markup-compatibility/2006">
                     <mc:Choice xmlns:v="urn:schemas-microsoft-com:vml" Requires="v">
-                      <p:oleObj spid="_x0000_s2267" name="Equation" r:id="rId7" imgW="203040" imgH="203040" progId="Equation.DSMT4">
+                      <p:oleObj spid="_x0000_s2329" name="Equation" r:id="rId7" imgW="203040" imgH="203040" progId="Equation.DSMT4">
                         <p:embed/>
                       </p:oleObj>
                     </mc:Choice>
@@ -6073,7 +5676,7 @@
                 <a:graphicData uri="http://schemas.openxmlformats.org/presentationml/2006/ole">
                   <mc:AlternateContent xmlns:mc="http://schemas.openxmlformats.org/markup-compatibility/2006">
                     <mc:Choice xmlns:v="urn:schemas-microsoft-com:vml" Requires="v">
-                      <p:oleObj spid="_x0000_s2268" name="Equation" r:id="rId9" imgW="215640" imgH="203040" progId="Equation.DSMT4">
+                      <p:oleObj spid="_x0000_s2330" name="Equation" r:id="rId9" imgW="215640" imgH="203040" progId="Equation.DSMT4">
                         <p:embed/>
                       </p:oleObj>
                     </mc:Choice>
@@ -6131,7 +5734,7 @@
               <a:graphicData uri="http://schemas.openxmlformats.org/presentationml/2006/ole">
                 <mc:AlternateContent xmlns:mc="http://schemas.openxmlformats.org/markup-compatibility/2006">
                   <mc:Choice xmlns:v="urn:schemas-microsoft-com:vml" Requires="v">
-                    <p:oleObj spid="_x0000_s2269" name="Equation" r:id="rId11" imgW="75960" imgH="177480" progId="Equation.DSMT4">
+                    <p:oleObj spid="_x0000_s2331" name="Equation" r:id="rId11" imgW="75960" imgH="177480" progId="Equation.DSMT4">
                       <p:embed/>
                     </p:oleObj>
                   </mc:Choice>
@@ -6189,7 +5792,7 @@
             <a:graphicData uri="http://schemas.openxmlformats.org/presentationml/2006/ole">
               <mc:AlternateContent xmlns:mc="http://schemas.openxmlformats.org/markup-compatibility/2006">
                 <mc:Choice xmlns:v="urn:schemas-microsoft-com:vml" Requires="v">
-                  <p:oleObj spid="_x0000_s2270" name="Equation" r:id="rId13" imgW="228600" imgH="241200" progId="Equation.DSMT4">
+                  <p:oleObj spid="_x0000_s2332" name="Equation" r:id="rId13" imgW="228600" imgH="241200" progId="Equation.DSMT4">
                     <p:embed/>
                   </p:oleObj>
                 </mc:Choice>
@@ -6272,7 +5875,7 @@
             <a:graphicData uri="http://schemas.openxmlformats.org/presentationml/2006/ole">
               <mc:AlternateContent xmlns:mc="http://schemas.openxmlformats.org/markup-compatibility/2006">
                 <mc:Choice xmlns:v="urn:schemas-microsoft-com:vml" Requires="v">
-                  <p:oleObj spid="_x0000_s2271" name="Equation" r:id="rId15" imgW="228600" imgH="241200" progId="Equation.DSMT4">
+                  <p:oleObj spid="_x0000_s2333" name="Equation" r:id="rId15" imgW="228600" imgH="241200" progId="Equation.DSMT4">
                     <p:embed/>
                   </p:oleObj>
                 </mc:Choice>
@@ -6355,7 +5958,7 @@
             <a:graphicData uri="http://schemas.openxmlformats.org/presentationml/2006/ole">
               <mc:AlternateContent xmlns:mc="http://schemas.openxmlformats.org/markup-compatibility/2006">
                 <mc:Choice xmlns:v="urn:schemas-microsoft-com:vml" Requires="v">
-                  <p:oleObj spid="_x0000_s2272" name="Equation" r:id="rId17" imgW="228600" imgH="241200" progId="Equation.DSMT4">
+                  <p:oleObj spid="_x0000_s2334" name="Equation" r:id="rId17" imgW="228600" imgH="241200" progId="Equation.DSMT4">
                     <p:embed/>
                   </p:oleObj>
                 </mc:Choice>
@@ -6438,7 +6041,7 @@
             <a:graphicData uri="http://schemas.openxmlformats.org/presentationml/2006/ole">
               <mc:AlternateContent xmlns:mc="http://schemas.openxmlformats.org/markup-compatibility/2006">
                 <mc:Choice xmlns:v="urn:schemas-microsoft-com:vml" Requires="v">
-                  <p:oleObj spid="_x0000_s2273" name="Equation" r:id="rId19" imgW="215640" imgH="241200" progId="Equation.DSMT4">
+                  <p:oleObj spid="_x0000_s2335" name="Equation" r:id="rId19" imgW="215640" imgH="241200" progId="Equation.DSMT4">
                     <p:embed/>
                   </p:oleObj>
                 </mc:Choice>
@@ -6595,7 +6198,7 @@
                 <a:graphicData uri="http://schemas.openxmlformats.org/presentationml/2006/ole">
                   <mc:AlternateContent xmlns:mc="http://schemas.openxmlformats.org/markup-compatibility/2006">
                     <mc:Choice xmlns:v="urn:schemas-microsoft-com:vml" Requires="v">
-                      <p:oleObj spid="_x0000_s2274" name="Equation" r:id="rId21" imgW="215640" imgH="203040" progId="Equation.DSMT4">
+                      <p:oleObj spid="_x0000_s2336" name="Equation" r:id="rId21" imgW="215640" imgH="203040" progId="Equation.DSMT4">
                         <p:embed/>
                       </p:oleObj>
                     </mc:Choice>
@@ -6713,7 +6316,7 @@
                 <a:graphicData uri="http://schemas.openxmlformats.org/presentationml/2006/ole">
                   <mc:AlternateContent xmlns:mc="http://schemas.openxmlformats.org/markup-compatibility/2006">
                     <mc:Choice xmlns:v="urn:schemas-microsoft-com:vml" Requires="v">
-                      <p:oleObj spid="_x0000_s2275" name="Equation" r:id="rId23" imgW="215640" imgH="203040" progId="Equation.DSMT4">
+                      <p:oleObj spid="_x0000_s2337" name="Equation" r:id="rId23" imgW="215640" imgH="203040" progId="Equation.DSMT4">
                         <p:embed/>
                       </p:oleObj>
                     </mc:Choice>
@@ -6831,7 +6434,7 @@
                 <a:graphicData uri="http://schemas.openxmlformats.org/presentationml/2006/ole">
                   <mc:AlternateContent xmlns:mc="http://schemas.openxmlformats.org/markup-compatibility/2006">
                     <mc:Choice xmlns:v="urn:schemas-microsoft-com:vml" Requires="v">
-                      <p:oleObj spid="_x0000_s2276" name="Equation" r:id="rId25" imgW="215640" imgH="203040" progId="Equation.DSMT4">
+                      <p:oleObj spid="_x0000_s2338" name="Equation" r:id="rId25" imgW="215640" imgH="203040" progId="Equation.DSMT4">
                         <p:embed/>
                       </p:oleObj>
                     </mc:Choice>
@@ -7034,7 +6637,7 @@
             <a:graphicData uri="http://schemas.openxmlformats.org/presentationml/2006/ole">
               <mc:AlternateContent xmlns:mc="http://schemas.openxmlformats.org/markup-compatibility/2006">
                 <mc:Choice xmlns:v="urn:schemas-microsoft-com:vml" Requires="v">
-                  <p:oleObj spid="_x0000_s2277" name="Equation" r:id="rId27" imgW="75960" imgH="177480" progId="Equation.DSMT4">
+                  <p:oleObj spid="_x0000_s2339" name="Equation" r:id="rId27" imgW="75960" imgH="177480" progId="Equation.DSMT4">
                     <p:embed/>
                   </p:oleObj>
                 </mc:Choice>
@@ -7234,7 +6837,7 @@
             <a:graphicData uri="http://schemas.openxmlformats.org/presentationml/2006/ole">
               <mc:AlternateContent xmlns:mc="http://schemas.openxmlformats.org/markup-compatibility/2006">
                 <mc:Choice xmlns:v="urn:schemas-microsoft-com:vml" Requires="v">
-                  <p:oleObj spid="_x0000_s2278" name="Equation" r:id="rId28" imgW="215640" imgH="241200" progId="Equation.DSMT4">
+                  <p:oleObj spid="_x0000_s2340" name="Equation" r:id="rId28" imgW="215640" imgH="241200" progId="Equation.DSMT4">
                     <p:embed/>
                   </p:oleObj>
                 </mc:Choice>
@@ -7317,7 +6920,7 @@
             <a:graphicData uri="http://schemas.openxmlformats.org/presentationml/2006/ole">
               <mc:AlternateContent xmlns:mc="http://schemas.openxmlformats.org/markup-compatibility/2006">
                 <mc:Choice xmlns:v="urn:schemas-microsoft-com:vml" Requires="v">
-                  <p:oleObj spid="_x0000_s2279" name="Equation" r:id="rId30" imgW="228600" imgH="241200" progId="Equation.DSMT4">
+                  <p:oleObj spid="_x0000_s2341" name="Equation" r:id="rId30" imgW="228600" imgH="241200" progId="Equation.DSMT4">
                     <p:embed/>
                   </p:oleObj>
                 </mc:Choice>
@@ -7400,7 +7003,7 @@
             <a:graphicData uri="http://schemas.openxmlformats.org/presentationml/2006/ole">
               <mc:AlternateContent xmlns:mc="http://schemas.openxmlformats.org/markup-compatibility/2006">
                 <mc:Choice xmlns:v="urn:schemas-microsoft-com:vml" Requires="v">
-                  <p:oleObj spid="_x0000_s2280" name="Equation" r:id="rId32" imgW="75960" imgH="177480" progId="Equation.DSMT4">
+                  <p:oleObj spid="_x0000_s2342" name="Equation" r:id="rId32" imgW="75960" imgH="177480" progId="Equation.DSMT4">
                     <p:embed/>
                   </p:oleObj>
                 </mc:Choice>
@@ -7563,7 +7166,7 @@
                 <a:graphicData uri="http://schemas.openxmlformats.org/presentationml/2006/ole">
                   <mc:AlternateContent xmlns:mc="http://schemas.openxmlformats.org/markup-compatibility/2006">
                     <mc:Choice xmlns:v="urn:schemas-microsoft-com:vml" Requires="v">
-                      <p:oleObj spid="_x0000_s2281" name="Equation" r:id="rId34" imgW="215640" imgH="203040" progId="Equation.DSMT4">
+                      <p:oleObj spid="_x0000_s2343" name="Equation" r:id="rId34" imgW="215640" imgH="203040" progId="Equation.DSMT4">
                         <p:embed/>
                       </p:oleObj>
                     </mc:Choice>
@@ -7681,7 +7284,7 @@
                 <a:graphicData uri="http://schemas.openxmlformats.org/presentationml/2006/ole">
                   <mc:AlternateContent xmlns:mc="http://schemas.openxmlformats.org/markup-compatibility/2006">
                     <mc:Choice xmlns:v="urn:schemas-microsoft-com:vml" Requires="v">
-                      <p:oleObj spid="_x0000_s2282" name="Equation" r:id="rId36" imgW="215640" imgH="203040" progId="Equation.DSMT4">
+                      <p:oleObj spid="_x0000_s2344" name="Equation" r:id="rId36" imgW="215640" imgH="203040" progId="Equation.DSMT4">
                         <p:embed/>
                       </p:oleObj>
                     </mc:Choice>
@@ -7799,7 +7402,7 @@
                 <a:graphicData uri="http://schemas.openxmlformats.org/presentationml/2006/ole">
                   <mc:AlternateContent xmlns:mc="http://schemas.openxmlformats.org/markup-compatibility/2006">
                     <mc:Choice xmlns:v="urn:schemas-microsoft-com:vml" Requires="v">
-                      <p:oleObj spid="_x0000_s2283" name="Equation" r:id="rId38" imgW="215640" imgH="203040" progId="Equation.DSMT4">
+                      <p:oleObj spid="_x0000_s2345" name="Equation" r:id="rId38" imgW="215640" imgH="203040" progId="Equation.DSMT4">
                         <p:embed/>
                       </p:oleObj>
                     </mc:Choice>
@@ -8025,7 +7628,7 @@
               <a:graphicData uri="http://schemas.openxmlformats.org/presentationml/2006/ole">
                 <mc:AlternateContent xmlns:mc="http://schemas.openxmlformats.org/markup-compatibility/2006">
                   <mc:Choice xmlns:v="urn:schemas-microsoft-com:vml" Requires="v">
-                    <p:oleObj spid="_x0000_s2284" name="Equation" r:id="rId40" imgW="164880" imgH="228600" progId="Equation.DSMT4">
+                    <p:oleObj spid="_x0000_s2346" name="Equation" r:id="rId40" imgW="164880" imgH="228600" progId="Equation.DSMT4">
                       <p:embed/>
                     </p:oleObj>
                   </mc:Choice>
@@ -8143,7 +7746,7 @@
               <a:graphicData uri="http://schemas.openxmlformats.org/presentationml/2006/ole">
                 <mc:AlternateContent xmlns:mc="http://schemas.openxmlformats.org/markup-compatibility/2006">
                   <mc:Choice xmlns:v="urn:schemas-microsoft-com:vml" Requires="v">
-                    <p:oleObj spid="_x0000_s2285" name="Equation" r:id="rId42" imgW="190440" imgH="228600" progId="Equation.DSMT4">
+                    <p:oleObj spid="_x0000_s2347" name="Equation" r:id="rId42" imgW="190440" imgH="228600" progId="Equation.DSMT4">
                       <p:embed/>
                     </p:oleObj>
                   </mc:Choice>
@@ -8521,7 +8124,7 @@
             <a:graphicData uri="http://schemas.openxmlformats.org/presentationml/2006/ole">
               <mc:AlternateContent xmlns:mc="http://schemas.openxmlformats.org/markup-compatibility/2006">
                 <mc:Choice xmlns:v="urn:schemas-microsoft-com:vml" Requires="v">
-                  <p:oleObj spid="_x0000_s2286" name="Equation" r:id="rId44" imgW="228600" imgH="241200" progId="Equation.DSMT4">
+                  <p:oleObj spid="_x0000_s2348" name="Equation" r:id="rId44" imgW="228600" imgH="241200" progId="Equation.DSMT4">
                     <p:embed/>
                   </p:oleObj>
                 </mc:Choice>
@@ -8604,7 +8207,7 @@
             <a:graphicData uri="http://schemas.openxmlformats.org/presentationml/2006/ole">
               <mc:AlternateContent xmlns:mc="http://schemas.openxmlformats.org/markup-compatibility/2006">
                 <mc:Choice xmlns:v="urn:schemas-microsoft-com:vml" Requires="v">
-                  <p:oleObj spid="_x0000_s2287" name="Equation" r:id="rId46" imgW="228600" imgH="241200" progId="Equation.DSMT4">
+                  <p:oleObj spid="_x0000_s2349" name="Equation" r:id="rId46" imgW="228600" imgH="241200" progId="Equation.DSMT4">
                     <p:embed/>
                   </p:oleObj>
                 </mc:Choice>
@@ -8687,7 +8290,7 @@
             <a:graphicData uri="http://schemas.openxmlformats.org/presentationml/2006/ole">
               <mc:AlternateContent xmlns:mc="http://schemas.openxmlformats.org/markup-compatibility/2006">
                 <mc:Choice xmlns:v="urn:schemas-microsoft-com:vml" Requires="v">
-                  <p:oleObj spid="_x0000_s2288" name="Equation" r:id="rId48" imgW="228600" imgH="241200" progId="Equation.DSMT4">
+                  <p:oleObj spid="_x0000_s2350" name="Equation" r:id="rId48" imgW="228600" imgH="241200" progId="Equation.DSMT4">
                     <p:embed/>
                   </p:oleObj>
                 </mc:Choice>
@@ -8770,7 +8373,7 @@
             <a:graphicData uri="http://schemas.openxmlformats.org/presentationml/2006/ole">
               <mc:AlternateContent xmlns:mc="http://schemas.openxmlformats.org/markup-compatibility/2006">
                 <mc:Choice xmlns:v="urn:schemas-microsoft-com:vml" Requires="v">
-                  <p:oleObj spid="_x0000_s2289" name="Equation" r:id="rId50" imgW="228600" imgH="241200" progId="Equation.DSMT4">
+                  <p:oleObj spid="_x0000_s2351" name="Equation" r:id="rId50" imgW="228600" imgH="241200" progId="Equation.DSMT4">
                     <p:embed/>
                   </p:oleObj>
                 </mc:Choice>
@@ -8853,7 +8456,7 @@
             <a:graphicData uri="http://schemas.openxmlformats.org/presentationml/2006/ole">
               <mc:AlternateContent xmlns:mc="http://schemas.openxmlformats.org/markup-compatibility/2006">
                 <mc:Choice xmlns:v="urn:schemas-microsoft-com:vml" Requires="v">
-                  <p:oleObj spid="_x0000_s2290" name="Equation" r:id="rId52" imgW="228600" imgH="241200" progId="Equation.DSMT4">
+                  <p:oleObj spid="_x0000_s2352" name="Equation" r:id="rId52" imgW="228600" imgH="241200" progId="Equation.DSMT4">
                     <p:embed/>
                   </p:oleObj>
                 </mc:Choice>
@@ -8936,7 +8539,7 @@
             <a:graphicData uri="http://schemas.openxmlformats.org/presentationml/2006/ole">
               <mc:AlternateContent xmlns:mc="http://schemas.openxmlformats.org/markup-compatibility/2006">
                 <mc:Choice xmlns:v="urn:schemas-microsoft-com:vml" Requires="v">
-                  <p:oleObj spid="_x0000_s2291" name="Equation" r:id="rId54" imgW="228600" imgH="241200" progId="Equation.DSMT4">
+                  <p:oleObj spid="_x0000_s2353" name="Equation" r:id="rId54" imgW="228600" imgH="241200" progId="Equation.DSMT4">
                     <p:embed/>
                   </p:oleObj>
                 </mc:Choice>
@@ -9019,7 +8622,7 @@
             <a:graphicData uri="http://schemas.openxmlformats.org/presentationml/2006/ole">
               <mc:AlternateContent xmlns:mc="http://schemas.openxmlformats.org/markup-compatibility/2006">
                 <mc:Choice xmlns:v="urn:schemas-microsoft-com:vml" Requires="v">
-                  <p:oleObj spid="_x0000_s2292" name="Equation" r:id="rId56" imgW="228600" imgH="241200" progId="Equation.DSMT4">
+                  <p:oleObj spid="_x0000_s2354" name="Equation" r:id="rId56" imgW="228600" imgH="241200" progId="Equation.DSMT4">
                     <p:embed/>
                   </p:oleObj>
                 </mc:Choice>
@@ -9102,7 +8705,7 @@
             <a:graphicData uri="http://schemas.openxmlformats.org/presentationml/2006/ole">
               <mc:AlternateContent xmlns:mc="http://schemas.openxmlformats.org/markup-compatibility/2006">
                 <mc:Choice xmlns:v="urn:schemas-microsoft-com:vml" Requires="v">
-                  <p:oleObj spid="_x0000_s2293" name="Equation" r:id="rId58" imgW="228600" imgH="241200" progId="Equation.DSMT4">
+                  <p:oleObj spid="_x0000_s2355" name="Equation" r:id="rId58" imgW="228600" imgH="241200" progId="Equation.DSMT4">
                     <p:embed/>
                   </p:oleObj>
                 </mc:Choice>
@@ -9185,7 +8788,7 @@
             <a:graphicData uri="http://schemas.openxmlformats.org/presentationml/2006/ole">
               <mc:AlternateContent xmlns:mc="http://schemas.openxmlformats.org/markup-compatibility/2006">
                 <mc:Choice xmlns:v="urn:schemas-microsoft-com:vml" Requires="v">
-                  <p:oleObj spid="_x0000_s2294" name="Equation" r:id="rId60" imgW="228600" imgH="241200" progId="Equation.DSMT4">
+                  <p:oleObj spid="_x0000_s2356" name="Equation" r:id="rId60" imgW="228600" imgH="241200" progId="Equation.DSMT4">
                     <p:embed/>
                   </p:oleObj>
                 </mc:Choice>
@@ -9268,7 +8871,7 @@
             <a:graphicData uri="http://schemas.openxmlformats.org/presentationml/2006/ole">
               <mc:AlternateContent xmlns:mc="http://schemas.openxmlformats.org/markup-compatibility/2006">
                 <mc:Choice xmlns:v="urn:schemas-microsoft-com:vml" Requires="v">
-                  <p:oleObj spid="_x0000_s2295" name="Equation" r:id="rId62" imgW="75960" imgH="177480" progId="Equation.DSMT4">
+                  <p:oleObj spid="_x0000_s2357" name="Equation" r:id="rId62" imgW="75960" imgH="177480" progId="Equation.DSMT4">
                     <p:embed/>
                   </p:oleObj>
                 </mc:Choice>
@@ -10256,10 +9859,6 @@
               </a:rPr>
               <a:t>②</a:t>
             </a:r>
-            <a:endParaRPr lang="zh-CN" altLang="en-US" sz="4400" b="1" dirty="0">
-              <a:latin typeface="微软雅黑" pitchFamily="34" charset="-122"/>
-              <a:ea typeface="微软雅黑" pitchFamily="34" charset="-122"/>
-            </a:endParaRPr>
           </a:p>
         </p:txBody>
       </p:sp>
@@ -10341,36 +9940,6 @@
               <a:latin typeface="微软雅黑" pitchFamily="34" charset="-122"/>
               <a:ea typeface="微软雅黑" pitchFamily="34" charset="-122"/>
             </a:endParaRPr>
-          </a:p>
-        </p:txBody>
-      </p:sp>
-      <p:sp>
-        <p:nvSpPr>
-          <p:cNvPr id="12" name="TextBox 11"/>
-          <p:cNvSpPr txBox="1"/>
-          <p:nvPr/>
-        </p:nvSpPr>
-        <p:spPr>
-          <a:xfrm>
-            <a:off x="7164288" y="3624024"/>
-            <a:ext cx="3672408" cy="584775"/>
-          </a:xfrm>
-          <a:prstGeom prst="rect">
-            <a:avLst/>
-          </a:prstGeom>
-          <a:noFill/>
-        </p:spPr>
-        <p:txBody>
-          <a:bodyPr wrap="square" rtlCol="0">
-            <a:spAutoFit/>
-          </a:bodyPr>
-          <a:lstStyle/>
-          <a:p>
-            <a:r>
-              <a:rPr lang="zh-CN" altLang="en-US" sz="3200" dirty="0" smtClean="0"/>
-              <a:t>填充</a:t>
-            </a:r>
-            <a:endParaRPr lang="zh-CN" altLang="en-US" sz="3200" dirty="0"/>
           </a:p>
         </p:txBody>
       </p:sp>
@@ -13736,7 +13305,7 @@
           <p:nvPr>
             <p:extLst>
               <p:ext uri="{D42A27DB-BD31-4B8C-83A1-F6EECF244321}">
-                <p14:modId xmlns:p14="http://schemas.microsoft.com/office/powerpoint/2010/main" val="1126306998"/>
+                <p14:modId xmlns:p14="http://schemas.microsoft.com/office/powerpoint/2010/main" val="3993119407"/>
               </p:ext>
             </p:extLst>
           </p:nvPr>
@@ -13749,7 +13318,7 @@
           <a:graphicData uri="http://schemas.openxmlformats.org/presentationml/2006/ole">
             <mc:AlternateContent xmlns:mc="http://schemas.openxmlformats.org/markup-compatibility/2006">
               <mc:Choice xmlns:v="urn:schemas-microsoft-com:vml" Requires="v">
-                <p:oleObj spid="_x0000_s4130" name="Equation" r:id="rId4" imgW="203040" imgH="228600" progId="Equation.DSMT4">
+                <p:oleObj spid="_x0000_s4157" name="Equation" r:id="rId4" imgW="203040" imgH="228600" progId="Equation.DSMT4">
                   <p:embed/>
                 </p:oleObj>
               </mc:Choice>
@@ -13793,20 +13362,20 @@
           <p:nvPr>
             <p:extLst>
               <p:ext uri="{D42A27DB-BD31-4B8C-83A1-F6EECF244321}">
-                <p14:modId xmlns:p14="http://schemas.microsoft.com/office/powerpoint/2010/main" val="4025039129"/>
+                <p14:modId xmlns:p14="http://schemas.microsoft.com/office/powerpoint/2010/main" val="2269121464"/>
               </p:ext>
             </p:extLst>
           </p:nvPr>
         </p:nvGraphicFramePr>
         <p:xfrm>
-          <a:off x="2555776" y="3124411"/>
+          <a:off x="2518054" y="3000945"/>
           <a:ext cx="471488" cy="500063"/>
         </p:xfrm>
         <a:graphic>
           <a:graphicData uri="http://schemas.openxmlformats.org/presentationml/2006/ole">
             <mc:AlternateContent xmlns:mc="http://schemas.openxmlformats.org/markup-compatibility/2006">
               <mc:Choice xmlns:v="urn:schemas-microsoft-com:vml" Requires="v">
-                <p:oleObj spid="_x0000_s4131" name="Equation" r:id="rId6" imgW="215640" imgH="228600" progId="Equation.DSMT4">
+                <p:oleObj spid="_x0000_s4158" name="Equation" r:id="rId6" imgW="215640" imgH="228600" progId="Equation.DSMT4">
                   <p:embed/>
                 </p:oleObj>
               </mc:Choice>
@@ -13830,7 +13399,7 @@
                     </p:blipFill>
                     <p:spPr bwMode="auto">
                       <a:xfrm>
-                        <a:off x="2555776" y="3124411"/>
+                        <a:off x="2518054" y="3000945"/>
                         <a:ext cx="471488" cy="500063"/>
                       </a:xfrm>
                       <a:prstGeom prst="rect">
@@ -13876,20 +13445,20 @@
           <p:nvPr>
             <p:extLst>
               <p:ext uri="{D42A27DB-BD31-4B8C-83A1-F6EECF244321}">
-                <p14:modId xmlns:p14="http://schemas.microsoft.com/office/powerpoint/2010/main" val="4019385803"/>
+                <p14:modId xmlns:p14="http://schemas.microsoft.com/office/powerpoint/2010/main" val="4126357931"/>
               </p:ext>
             </p:extLst>
           </p:nvPr>
         </p:nvGraphicFramePr>
         <p:xfrm>
-          <a:off x="2555776" y="5373216"/>
+          <a:off x="2536825" y="5620687"/>
           <a:ext cx="471488" cy="500063"/>
         </p:xfrm>
         <a:graphic>
           <a:graphicData uri="http://schemas.openxmlformats.org/presentationml/2006/ole">
             <mc:AlternateContent xmlns:mc="http://schemas.openxmlformats.org/markup-compatibility/2006">
               <mc:Choice xmlns:v="urn:schemas-microsoft-com:vml" Requires="v">
-                <p:oleObj spid="_x0000_s4132" name="Equation" r:id="rId8" imgW="215640" imgH="228600" progId="Equation.DSMT4">
+                <p:oleObj spid="_x0000_s4159" name="Equation" r:id="rId8" imgW="215640" imgH="228600" progId="Equation.DSMT4">
                   <p:embed/>
                 </p:oleObj>
               </mc:Choice>
@@ -13913,7 +13482,7 @@
                     </p:blipFill>
                     <p:spPr bwMode="auto">
                       <a:xfrm>
-                        <a:off x="2555776" y="5373216"/>
+                        <a:off x="2536825" y="5620687"/>
                         <a:ext cx="471488" cy="500063"/>
                       </a:xfrm>
                       <a:prstGeom prst="rect">
@@ -13950,70 +13519,6 @@
           </a:graphicData>
         </a:graphic>
       </p:graphicFrame>
-      <p:sp>
-        <p:nvSpPr>
-          <p:cNvPr id="23" name="TextBox 22"/>
-          <p:cNvSpPr txBox="1"/>
-          <p:nvPr/>
-        </p:nvSpPr>
-        <p:spPr>
-          <a:xfrm>
-            <a:off x="3635896" y="116632"/>
-            <a:ext cx="1080120" cy="369332"/>
-          </a:xfrm>
-          <a:prstGeom prst="rect">
-            <a:avLst/>
-          </a:prstGeom>
-          <a:noFill/>
-        </p:spPr>
-        <p:txBody>
-          <a:bodyPr wrap="square" rtlCol="0">
-            <a:spAutoFit/>
-          </a:bodyPr>
-          <a:lstStyle/>
-          <a:p>
-            <a:r>
-              <a:rPr lang="zh-CN" altLang="en-US" dirty="0" smtClean="0"/>
-              <a:t>卷积层</a:t>
-            </a:r>
-            <a:endParaRPr lang="zh-CN" altLang="en-US" dirty="0"/>
-          </a:p>
-        </p:txBody>
-      </p:sp>
-      <p:sp>
-        <p:nvSpPr>
-          <p:cNvPr id="25" name="TextBox 24"/>
-          <p:cNvSpPr txBox="1"/>
-          <p:nvPr/>
-        </p:nvSpPr>
-        <p:spPr>
-          <a:xfrm>
-            <a:off x="3705258" y="663049"/>
-            <a:ext cx="1080120" cy="369332"/>
-          </a:xfrm>
-          <a:prstGeom prst="rect">
-            <a:avLst/>
-          </a:prstGeom>
-          <a:noFill/>
-        </p:spPr>
-        <p:txBody>
-          <a:bodyPr wrap="square" rtlCol="0">
-            <a:spAutoFit/>
-          </a:bodyPr>
-          <a:lstStyle/>
-          <a:p>
-            <a:r>
-              <a:rPr lang="zh-CN" altLang="en-US" dirty="0" smtClean="0"/>
-              <a:t>节点</a:t>
-            </a:r>
-            <a:r>
-              <a:rPr lang="en-US" altLang="zh-CN" dirty="0" smtClean="0"/>
-              <a:t>1</a:t>
-            </a:r>
-            <a:endParaRPr lang="zh-CN" altLang="en-US" dirty="0"/>
-          </a:p>
-        </p:txBody>
-      </p:sp>
       <p:graphicFrame>
         <p:nvGraphicFramePr>
           <p:cNvPr id="24" name="表格 23"/>
@@ -14650,40 +14155,6 @@
           </a:fontRef>
         </p:style>
       </p:cxnSp>
-      <p:sp>
-        <p:nvSpPr>
-          <p:cNvPr id="60" name="TextBox 59"/>
-          <p:cNvSpPr txBox="1"/>
-          <p:nvPr/>
-        </p:nvSpPr>
-        <p:spPr>
-          <a:xfrm>
-            <a:off x="3699609" y="3824753"/>
-            <a:ext cx="1080120" cy="369332"/>
-          </a:xfrm>
-          <a:prstGeom prst="rect">
-            <a:avLst/>
-          </a:prstGeom>
-          <a:noFill/>
-        </p:spPr>
-        <p:txBody>
-          <a:bodyPr wrap="square" rtlCol="0">
-            <a:spAutoFit/>
-          </a:bodyPr>
-          <a:lstStyle/>
-          <a:p>
-            <a:r>
-              <a:rPr lang="zh-CN" altLang="en-US" dirty="0" smtClean="0"/>
-              <a:t>节点</a:t>
-            </a:r>
-            <a:r>
-              <a:rPr lang="en-US" altLang="zh-CN" dirty="0"/>
-              <a:t>2</a:t>
-            </a:r>
-            <a:endParaRPr lang="zh-CN" altLang="en-US" dirty="0"/>
-          </a:p>
-        </p:txBody>
-      </p:sp>
       <p:graphicFrame>
         <p:nvGraphicFramePr>
           <p:cNvPr id="61" name="表格 60"/>
@@ -15000,35 +14471,6 @@
           </a:p>
         </p:txBody>
       </p:sp>
-      <p:sp>
-        <p:nvSpPr>
-          <p:cNvPr id="82" name="TextBox 81"/>
-          <p:cNvSpPr txBox="1"/>
-          <p:nvPr/>
-        </p:nvSpPr>
-        <p:spPr>
-          <a:xfrm>
-            <a:off x="2701330" y="509628"/>
-            <a:ext cx="1080120" cy="369332"/>
-          </a:xfrm>
-          <a:prstGeom prst="rect">
-            <a:avLst/>
-          </a:prstGeom>
-          <a:noFill/>
-        </p:spPr>
-        <p:txBody>
-          <a:bodyPr wrap="square" rtlCol="0">
-            <a:spAutoFit/>
-          </a:bodyPr>
-          <a:lstStyle/>
-          <a:p>
-            <a:r>
-              <a:rPr lang="zh-CN" altLang="en-US" dirty="0"/>
-              <a:t>卷积</a:t>
-            </a:r>
-          </a:p>
-        </p:txBody>
-      </p:sp>
       <p:graphicFrame>
         <p:nvGraphicFramePr>
           <p:cNvPr id="3091" name="对象 3090"/>
@@ -15051,7 +14493,7 @@
           <a:graphicData uri="http://schemas.openxmlformats.org/presentationml/2006/ole">
             <mc:AlternateContent xmlns:mc="http://schemas.openxmlformats.org/markup-compatibility/2006">
               <mc:Choice xmlns:v="urn:schemas-microsoft-com:vml" Requires="v">
-                <p:oleObj spid="_x0000_s4133" name="Equation" r:id="rId10" imgW="291960" imgH="253800" progId="Equation.DSMT4">
+                <p:oleObj spid="_x0000_s4160" name="Equation" r:id="rId10" imgW="291960" imgH="253800" progId="Equation.DSMT4">
                   <p:embed/>
                 </p:oleObj>
               </mc:Choice>
@@ -15166,7 +14608,7 @@
           <a:graphicData uri="http://schemas.openxmlformats.org/presentationml/2006/ole">
             <mc:AlternateContent xmlns:mc="http://schemas.openxmlformats.org/markup-compatibility/2006">
               <mc:Choice xmlns:v="urn:schemas-microsoft-com:vml" Requires="v">
-                <p:oleObj spid="_x0000_s4134" name="Equation" r:id="rId12" imgW="291960" imgH="228600" progId="Equation.DSMT4">
+                <p:oleObj spid="_x0000_s4161" name="Equation" r:id="rId12" imgW="291960" imgH="228600" progId="Equation.DSMT4">
                   <p:embed/>
                 </p:oleObj>
               </mc:Choice>
@@ -15201,35 +14643,6 @@
           </a:graphicData>
         </a:graphic>
       </p:graphicFrame>
-      <p:sp>
-        <p:nvSpPr>
-          <p:cNvPr id="90" name="TextBox 89"/>
-          <p:cNvSpPr txBox="1"/>
-          <p:nvPr/>
-        </p:nvSpPr>
-        <p:spPr>
-          <a:xfrm>
-            <a:off x="6516216" y="116632"/>
-            <a:ext cx="1080120" cy="369332"/>
-          </a:xfrm>
-          <a:prstGeom prst="rect">
-            <a:avLst/>
-          </a:prstGeom>
-          <a:noFill/>
-        </p:spPr>
-        <p:txBody>
-          <a:bodyPr wrap="square" rtlCol="0">
-            <a:spAutoFit/>
-          </a:bodyPr>
-          <a:lstStyle/>
-          <a:p>
-            <a:r>
-              <a:rPr lang="zh-CN" altLang="en-US" dirty="0"/>
-              <a:t>输出</a:t>
-            </a:r>
-          </a:p>
-        </p:txBody>
-      </p:sp>
       <p:graphicFrame>
         <p:nvGraphicFramePr>
           <p:cNvPr id="3095" name="表格 3094"/>
@@ -15561,7 +14974,7 @@
           <a:graphicData uri="http://schemas.openxmlformats.org/presentationml/2006/ole">
             <mc:AlternateContent xmlns:mc="http://schemas.openxmlformats.org/markup-compatibility/2006">
               <mc:Choice xmlns:v="urn:schemas-microsoft-com:vml" Requires="v">
-                <p:oleObj spid="_x0000_s4135" name="Equation" r:id="rId14" imgW="291960" imgH="253800" progId="Equation.DSMT4">
+                <p:oleObj spid="_x0000_s4162" name="Equation" r:id="rId14" imgW="291960" imgH="253800" progId="Equation.DSMT4">
                   <p:embed/>
                 </p:oleObj>
               </mc:Choice>
@@ -15676,7 +15089,7 @@
           <a:graphicData uri="http://schemas.openxmlformats.org/presentationml/2006/ole">
             <mc:AlternateContent xmlns:mc="http://schemas.openxmlformats.org/markup-compatibility/2006">
               <mc:Choice xmlns:v="urn:schemas-microsoft-com:vml" Requires="v">
-                <p:oleObj spid="_x0000_s4136" name="Equation" r:id="rId15" imgW="291960" imgH="228600" progId="Equation.DSMT4">
+                <p:oleObj spid="_x0000_s4163" name="Equation" r:id="rId15" imgW="291960" imgH="228600" progId="Equation.DSMT4">
                   <p:embed/>
                 </p:oleObj>
               </mc:Choice>
@@ -15857,7 +15270,7 @@
           <a:graphicData uri="http://schemas.openxmlformats.org/presentationml/2006/ole">
             <mc:AlternateContent xmlns:mc="http://schemas.openxmlformats.org/markup-compatibility/2006">
               <mc:Choice xmlns:v="urn:schemas-microsoft-com:vml" Requires="v">
-                <p:oleObj spid="_x0000_s4137" name="Equation" r:id="rId16" imgW="75960" imgH="177480" progId="Equation.DSMT4">
+                <p:oleObj spid="_x0000_s4164" name="Equation" r:id="rId16" imgW="75960" imgH="177480" progId="Equation.DSMT4">
                   <p:embed/>
                 </p:oleObj>
               </mc:Choice>
@@ -15914,7 +15327,7 @@
           <a:graphicData uri="http://schemas.openxmlformats.org/presentationml/2006/ole">
             <mc:AlternateContent xmlns:mc="http://schemas.openxmlformats.org/markup-compatibility/2006">
               <mc:Choice xmlns:v="urn:schemas-microsoft-com:vml" Requires="v">
-                <p:oleObj spid="_x0000_s4138" name="Equation" r:id="rId18" imgW="75960" imgH="177480" progId="Equation.DSMT4">
+                <p:oleObj spid="_x0000_s4165" name="Equation" r:id="rId18" imgW="75960" imgH="177480" progId="Equation.DSMT4">
                   <p:embed/>
                 </p:oleObj>
               </mc:Choice>
@@ -16931,10 +16344,6 @@
               </a:rPr>
               <a:t>④</a:t>
             </a:r>
-            <a:endParaRPr lang="zh-CN" altLang="en-US" sz="4400" b="1" dirty="0">
-              <a:latin typeface="微软雅黑" pitchFamily="34" charset="-122"/>
-              <a:ea typeface="微软雅黑" pitchFamily="34" charset="-122"/>
-            </a:endParaRPr>
           </a:p>
         </p:txBody>
       </p:sp>
@@ -16967,10 +16376,6 @@
               </a:rPr>
               <a:t>③</a:t>
             </a:r>
-            <a:endParaRPr lang="zh-CN" altLang="en-US" sz="4400" b="1" dirty="0">
-              <a:latin typeface="微软雅黑" pitchFamily="34" charset="-122"/>
-              <a:ea typeface="微软雅黑" pitchFamily="34" charset="-122"/>
-            </a:endParaRPr>
           </a:p>
         </p:txBody>
       </p:sp>
@@ -17351,7 +16756,7 @@
         <a:sysClr val="windowText" lastClr="000000"/>
       </a:dk1>
       <a:lt1>
-        <a:sysClr val="window" lastClr="CCE8CF"/>
+        <a:sysClr val="window" lastClr="FFFFFF"/>
       </a:lt1>
       <a:dk2>
         <a:srgbClr val="1F497D"/>
@@ -17634,7 +17039,7 @@
         <a:sysClr val="windowText" lastClr="000000"/>
       </a:dk1>
       <a:lt1>
-        <a:sysClr val="window" lastClr="CCE8CF"/>
+        <a:sysClr val="window" lastClr="FFFFFF"/>
       </a:lt1>
       <a:dk2>
         <a:srgbClr val="1F497D"/>
